--- a/website/pptx/Online_Intro.pptx
+++ b/website/pptx/Online_Intro.pptx
@@ -8,18 +8,22 @@
     <p:sldMasterId id="2147483684" r:id="rId4"/>
   </p:sldMasterIdLst>
   <p:notesMasterIdLst>
-    <p:notesMasterId r:id="rId9"/>
+    <p:notesMasterId r:id="rId13"/>
   </p:notesMasterIdLst>
   <p:handoutMasterIdLst>
-    <p:handoutMasterId r:id="rId10"/>
+    <p:handoutMasterId r:id="rId14"/>
   </p:handoutMasterIdLst>
   <p:sldIdLst>
     <p:sldId id="284" r:id="rId5"/>
-    <p:sldId id="283" r:id="rId6"/>
+    <p:sldId id="287" r:id="rId6"/>
     <p:sldId id="285" r:id="rId7"/>
-    <p:sldId id="286" r:id="rId8"/>
+    <p:sldId id="290" r:id="rId8"/>
+    <p:sldId id="283" r:id="rId9"/>
+    <p:sldId id="288" r:id="rId10"/>
+    <p:sldId id="286" r:id="rId11"/>
+    <p:sldId id="289" r:id="rId12"/>
   </p:sldIdLst>
-  <p:sldSz cx="9144000" cy="6858000" type="screen4x3"/>
+  <p:sldSz cx="12192000" cy="6858000"/>
   <p:notesSz cx="7315200" cy="9601200"/>
   <p:defaultTextStyle>
     <a:defPPr>
@@ -149,12 +153,12 @@
   <p:extLst>
     <p:ext uri="{EFAFB233-063F-42B5-8137-9DF3F51BA10A}">
       <p15:sldGuideLst xmlns:p15="http://schemas.microsoft.com/office/powerpoint/2012/main">
-        <p15:guide id="1" orient="horz" pos="2160">
+        <p15:guide id="1" orient="horz" pos="2160" userDrawn="1">
           <p15:clr>
             <a:srgbClr val="A4A3A4"/>
           </p15:clr>
         </p15:guide>
-        <p15:guide id="2" pos="2880">
+        <p15:guide id="2" pos="3840" userDrawn="1">
           <p15:clr>
             <a:srgbClr val="A4A3A4"/>
           </p15:clr>
@@ -658,8 +662,8 @@
         </p:nvSpPr>
         <p:spPr bwMode="auto">
           <a:xfrm>
-            <a:off x="1257300" y="719138"/>
-            <a:ext cx="4800600" cy="3600450"/>
+            <a:off x="457200" y="719138"/>
+            <a:ext cx="6400800" cy="3600450"/>
           </a:xfrm>
           <a:prstGeom prst="rect">
             <a:avLst/>
@@ -1088,8 +1092,8 @@
         </p:nvSpPr>
         <p:spPr>
           <a:xfrm>
-            <a:off x="3352800" y="5029200"/>
-            <a:ext cx="3962400" cy="1143000"/>
+            <a:off x="4470400" y="5029200"/>
+            <a:ext cx="5283200" cy="1143000"/>
           </a:xfrm>
         </p:spPr>
         <p:txBody>
@@ -1202,8 +1206,8 @@
         </p:nvSpPr>
         <p:spPr>
           <a:xfrm>
-            <a:off x="1371600" y="990600"/>
-            <a:ext cx="7772400" cy="1470025"/>
+            <a:off x="1828800" y="990601"/>
+            <a:ext cx="10363200" cy="1470025"/>
           </a:xfrm>
           <a:ln w="9525"/>
         </p:spPr>
@@ -1275,8 +1279,8 @@
         </p:nvSpPr>
         <p:spPr>
           <a:xfrm>
-            <a:off x="457200" y="274638"/>
-            <a:ext cx="8229600" cy="1143000"/>
+            <a:off x="609600" y="274638"/>
+            <a:ext cx="10972800" cy="1143000"/>
           </a:xfrm>
         </p:spPr>
         <p:txBody>
@@ -1307,8 +1311,8 @@
         </p:nvSpPr>
         <p:spPr>
           <a:xfrm>
-            <a:off x="457200" y="1535113"/>
-            <a:ext cx="4040188" cy="639762"/>
+            <a:off x="609600" y="1535113"/>
+            <a:ext cx="5386917" cy="639762"/>
           </a:xfrm>
         </p:spPr>
         <p:txBody>
@@ -1372,8 +1376,8 @@
         </p:nvSpPr>
         <p:spPr>
           <a:xfrm>
-            <a:off x="457200" y="2174875"/>
-            <a:ext cx="4040188" cy="3951288"/>
+            <a:off x="609600" y="2174875"/>
+            <a:ext cx="5386917" cy="3951288"/>
           </a:xfrm>
         </p:spPr>
         <p:txBody>
@@ -1457,8 +1461,8 @@
         </p:nvSpPr>
         <p:spPr>
           <a:xfrm>
-            <a:off x="4645025" y="1535113"/>
-            <a:ext cx="4041775" cy="639762"/>
+            <a:off x="6193368" y="1535113"/>
+            <a:ext cx="5389033" cy="639762"/>
           </a:xfrm>
         </p:spPr>
         <p:txBody>
@@ -1522,8 +1526,8 @@
         </p:nvSpPr>
         <p:spPr>
           <a:xfrm>
-            <a:off x="4645025" y="2174875"/>
-            <a:ext cx="4041775" cy="3951288"/>
+            <a:off x="6193368" y="2174875"/>
+            <a:ext cx="5389033" cy="3951288"/>
           </a:xfrm>
         </p:spPr>
         <p:txBody>
@@ -1951,8 +1955,8 @@
         </p:nvSpPr>
         <p:spPr>
           <a:xfrm>
-            <a:off x="216000" y="475200"/>
-            <a:ext cx="7200000" cy="432000"/>
+            <a:off x="288000" y="475200"/>
+            <a:ext cx="9600000" cy="432000"/>
           </a:xfrm>
         </p:spPr>
         <p:txBody>
@@ -1979,8 +1983,8 @@
         </p:nvSpPr>
         <p:spPr>
           <a:xfrm>
-            <a:off x="457200" y="6633376"/>
-            <a:ext cx="2133600" cy="180000"/>
+            <a:off x="609600" y="6633376"/>
+            <a:ext cx="2844800" cy="180000"/>
           </a:xfrm>
           <a:prstGeom prst="rect">
             <a:avLst/>
@@ -2010,8 +2014,8 @@
         </p:nvSpPr>
         <p:spPr>
           <a:xfrm>
-            <a:off x="3124200" y="6633376"/>
-            <a:ext cx="2895600" cy="180000"/>
+            <a:off x="4165600" y="6633376"/>
+            <a:ext cx="3860800" cy="180000"/>
           </a:xfrm>
           <a:prstGeom prst="rect">
             <a:avLst/>
@@ -2041,8 +2045,8 @@
         </p:nvSpPr>
         <p:spPr>
           <a:xfrm>
-            <a:off x="6553200" y="6633376"/>
-            <a:ext cx="2133600" cy="180000"/>
+            <a:off x="8737600" y="6633376"/>
+            <a:ext cx="2844800" cy="180000"/>
           </a:xfrm>
           <a:prstGeom prst="rect">
             <a:avLst/>
@@ -2077,8 +2081,8 @@
         </p:nvSpPr>
         <p:spPr>
           <a:xfrm>
-            <a:off x="216000" y="908720"/>
-            <a:ext cx="8229600" cy="432000"/>
+            <a:off x="288000" y="908720"/>
+            <a:ext cx="10972800" cy="432000"/>
           </a:xfrm>
         </p:spPr>
         <p:txBody>
@@ -2112,8 +2116,8 @@
         </p:nvSpPr>
         <p:spPr>
           <a:xfrm>
-            <a:off x="7596188" y="476250"/>
-            <a:ext cx="1296000" cy="431800"/>
+            <a:off x="10128251" y="476250"/>
+            <a:ext cx="1728000" cy="431800"/>
           </a:xfrm>
         </p:spPr>
         <p:txBody>
@@ -2200,8 +2204,8 @@
         </p:nvSpPr>
         <p:spPr>
           <a:xfrm>
-            <a:off x="3352800" y="5029200"/>
-            <a:ext cx="3962400" cy="1143000"/>
+            <a:off x="4470400" y="5029200"/>
+            <a:ext cx="5283200" cy="1143000"/>
           </a:xfrm>
         </p:spPr>
         <p:txBody>
@@ -2325,8 +2329,8 @@
         </p:nvSpPr>
         <p:spPr>
           <a:xfrm>
-            <a:off x="1371600" y="990600"/>
-            <a:ext cx="7772400" cy="1470025"/>
+            <a:off x="1828800" y="990601"/>
+            <a:ext cx="10363200" cy="1470025"/>
           </a:xfrm>
           <a:ln w="9525"/>
         </p:spPr>
@@ -2614,8 +2618,8 @@
         </p:nvSpPr>
         <p:spPr>
           <a:xfrm>
-            <a:off x="457200" y="1600200"/>
-            <a:ext cx="4038600" cy="4525963"/>
+            <a:off x="609600" y="1600201"/>
+            <a:ext cx="5384800" cy="4525963"/>
           </a:xfrm>
         </p:spPr>
         <p:txBody>
@@ -2699,8 +2703,8 @@
         </p:nvSpPr>
         <p:spPr>
           <a:xfrm>
-            <a:off x="4648200" y="1600200"/>
-            <a:ext cx="4038600" cy="4525963"/>
+            <a:off x="6197600" y="1600201"/>
+            <a:ext cx="5384800" cy="4525963"/>
           </a:xfrm>
         </p:spPr>
         <p:txBody>
@@ -2902,8 +2906,8 @@
         </p:nvSpPr>
         <p:spPr>
           <a:xfrm>
-            <a:off x="457200" y="274638"/>
-            <a:ext cx="8229600" cy="1143000"/>
+            <a:off x="609600" y="274638"/>
+            <a:ext cx="10972800" cy="1143000"/>
           </a:xfrm>
         </p:spPr>
         <p:txBody>
@@ -2934,8 +2938,8 @@
         </p:nvSpPr>
         <p:spPr>
           <a:xfrm>
-            <a:off x="457200" y="1535113"/>
-            <a:ext cx="4040188" cy="639762"/>
+            <a:off x="609600" y="1535113"/>
+            <a:ext cx="5386917" cy="639762"/>
           </a:xfrm>
         </p:spPr>
         <p:txBody>
@@ -2999,8 +3003,8 @@
         </p:nvSpPr>
         <p:spPr>
           <a:xfrm>
-            <a:off x="457200" y="2174875"/>
-            <a:ext cx="4040188" cy="3951288"/>
+            <a:off x="609600" y="2174875"/>
+            <a:ext cx="5386917" cy="3951288"/>
           </a:xfrm>
         </p:spPr>
         <p:txBody>
@@ -3084,8 +3088,8 @@
         </p:nvSpPr>
         <p:spPr>
           <a:xfrm>
-            <a:off x="4645025" y="1535113"/>
-            <a:ext cx="4041775" cy="639762"/>
+            <a:off x="6193368" y="1535113"/>
+            <a:ext cx="5389033" cy="639762"/>
           </a:xfrm>
         </p:spPr>
         <p:txBody>
@@ -3149,8 +3153,8 @@
         </p:nvSpPr>
         <p:spPr>
           <a:xfrm>
-            <a:off x="4645025" y="2174875"/>
-            <a:ext cx="4041775" cy="3951288"/>
+            <a:off x="6193368" y="2174875"/>
+            <a:ext cx="5389033" cy="3951288"/>
           </a:xfrm>
         </p:spPr>
         <p:txBody>
@@ -3793,8 +3797,8 @@
         </p:nvSpPr>
         <p:spPr>
           <a:xfrm>
-            <a:off x="216000" y="475200"/>
-            <a:ext cx="7200000" cy="432000"/>
+            <a:off x="288000" y="475200"/>
+            <a:ext cx="9600000" cy="432000"/>
           </a:xfrm>
         </p:spPr>
         <p:txBody>
@@ -3821,8 +3825,8 @@
         </p:nvSpPr>
         <p:spPr>
           <a:xfrm>
-            <a:off x="457200" y="6633376"/>
-            <a:ext cx="2133600" cy="180000"/>
+            <a:off x="609600" y="6633376"/>
+            <a:ext cx="2844800" cy="180000"/>
           </a:xfrm>
           <a:prstGeom prst="rect">
             <a:avLst/>
@@ -3856,8 +3860,8 @@
         </p:nvSpPr>
         <p:spPr>
           <a:xfrm>
-            <a:off x="3124200" y="6633376"/>
-            <a:ext cx="2895600" cy="180000"/>
+            <a:off x="4165600" y="6633376"/>
+            <a:ext cx="3860800" cy="180000"/>
           </a:xfrm>
           <a:prstGeom prst="rect">
             <a:avLst/>
@@ -3887,8 +3891,8 @@
         </p:nvSpPr>
         <p:spPr>
           <a:xfrm>
-            <a:off x="6553200" y="6633376"/>
-            <a:ext cx="2133600" cy="180000"/>
+            <a:off x="8737600" y="6633376"/>
+            <a:ext cx="2844800" cy="180000"/>
           </a:xfrm>
           <a:prstGeom prst="rect">
             <a:avLst/>
@@ -3923,8 +3927,8 @@
         </p:nvSpPr>
         <p:spPr>
           <a:xfrm>
-            <a:off x="216000" y="908720"/>
-            <a:ext cx="8229600" cy="432000"/>
+            <a:off x="288000" y="908720"/>
+            <a:ext cx="10972800" cy="432000"/>
           </a:xfrm>
         </p:spPr>
         <p:txBody>
@@ -3958,8 +3962,8 @@
         </p:nvSpPr>
         <p:spPr>
           <a:xfrm>
-            <a:off x="7596188" y="476250"/>
-            <a:ext cx="1296000" cy="431800"/>
+            <a:off x="10128251" y="476250"/>
+            <a:ext cx="1728000" cy="431800"/>
           </a:xfrm>
         </p:spPr>
         <p:txBody>
@@ -4046,8 +4050,8 @@
         </p:nvSpPr>
         <p:spPr>
           <a:xfrm>
-            <a:off x="3352800" y="5029200"/>
-            <a:ext cx="3962400" cy="1143000"/>
+            <a:off x="4470400" y="5029200"/>
+            <a:ext cx="5283200" cy="1143000"/>
           </a:xfrm>
         </p:spPr>
         <p:txBody>
@@ -4171,8 +4175,8 @@
         </p:nvSpPr>
         <p:spPr>
           <a:xfrm>
-            <a:off x="1371600" y="990600"/>
-            <a:ext cx="7772400" cy="1470025"/>
+            <a:off x="1828800" y="990601"/>
+            <a:ext cx="10363200" cy="1470025"/>
           </a:xfrm>
           <a:ln w="9525"/>
         </p:spPr>
@@ -4460,8 +4464,8 @@
         </p:nvSpPr>
         <p:spPr>
           <a:xfrm>
-            <a:off x="457200" y="1600200"/>
-            <a:ext cx="4038600" cy="4525963"/>
+            <a:off x="609600" y="1600201"/>
+            <a:ext cx="5384800" cy="4525963"/>
           </a:xfrm>
         </p:spPr>
         <p:txBody>
@@ -4545,8 +4549,8 @@
         </p:nvSpPr>
         <p:spPr>
           <a:xfrm>
-            <a:off x="4648200" y="1600200"/>
-            <a:ext cx="4038600" cy="4525963"/>
+            <a:off x="6197600" y="1600201"/>
+            <a:ext cx="5384800" cy="4525963"/>
           </a:xfrm>
         </p:spPr>
         <p:txBody>
@@ -4748,8 +4752,8 @@
         </p:nvSpPr>
         <p:spPr>
           <a:xfrm>
-            <a:off x="457200" y="274638"/>
-            <a:ext cx="8229600" cy="1143000"/>
+            <a:off x="609600" y="274638"/>
+            <a:ext cx="10972800" cy="1143000"/>
           </a:xfrm>
         </p:spPr>
         <p:txBody>
@@ -4780,8 +4784,8 @@
         </p:nvSpPr>
         <p:spPr>
           <a:xfrm>
-            <a:off x="457200" y="1535113"/>
-            <a:ext cx="4040188" cy="639762"/>
+            <a:off x="609600" y="1535113"/>
+            <a:ext cx="5386917" cy="639762"/>
           </a:xfrm>
         </p:spPr>
         <p:txBody>
@@ -4845,8 +4849,8 @@
         </p:nvSpPr>
         <p:spPr>
           <a:xfrm>
-            <a:off x="457200" y="2174875"/>
-            <a:ext cx="4040188" cy="3951288"/>
+            <a:off x="609600" y="2174875"/>
+            <a:ext cx="5386917" cy="3951288"/>
           </a:xfrm>
         </p:spPr>
         <p:txBody>
@@ -4930,8 +4934,8 @@
         </p:nvSpPr>
         <p:spPr>
           <a:xfrm>
-            <a:off x="4645025" y="1535113"/>
-            <a:ext cx="4041775" cy="639762"/>
+            <a:off x="6193368" y="1535113"/>
+            <a:ext cx="5389033" cy="639762"/>
           </a:xfrm>
         </p:spPr>
         <p:txBody>
@@ -4995,8 +4999,8 @@
         </p:nvSpPr>
         <p:spPr>
           <a:xfrm>
-            <a:off x="4645025" y="2174875"/>
-            <a:ext cx="4041775" cy="3951288"/>
+            <a:off x="6193368" y="2174875"/>
+            <a:ext cx="5389033" cy="3951288"/>
           </a:xfrm>
         </p:spPr>
         <p:txBody>
@@ -5480,8 +5484,8 @@
         </p:nvSpPr>
         <p:spPr>
           <a:xfrm>
-            <a:off x="457200" y="1600200"/>
-            <a:ext cx="4038600" cy="4525963"/>
+            <a:off x="609600" y="1600201"/>
+            <a:ext cx="5384800" cy="4525963"/>
           </a:xfrm>
         </p:spPr>
         <p:txBody>
@@ -5565,8 +5569,8 @@
         </p:nvSpPr>
         <p:spPr>
           <a:xfrm>
-            <a:off x="4648200" y="1600200"/>
-            <a:ext cx="4038600" cy="4525963"/>
+            <a:off x="6197600" y="1600201"/>
+            <a:ext cx="5384800" cy="4525963"/>
           </a:xfrm>
         </p:spPr>
         <p:txBody>
@@ -5757,8 +5761,8 @@
         </p:nvSpPr>
         <p:spPr>
           <a:xfrm>
-            <a:off x="457200" y="274638"/>
-            <a:ext cx="8229600" cy="1143000"/>
+            <a:off x="609600" y="274638"/>
+            <a:ext cx="10972800" cy="1143000"/>
           </a:xfrm>
         </p:spPr>
         <p:txBody>
@@ -5789,8 +5793,8 @@
         </p:nvSpPr>
         <p:spPr>
           <a:xfrm>
-            <a:off x="457200" y="1535113"/>
-            <a:ext cx="4040188" cy="639762"/>
+            <a:off x="609600" y="1535113"/>
+            <a:ext cx="5386917" cy="639762"/>
           </a:xfrm>
         </p:spPr>
         <p:txBody>
@@ -5854,8 +5858,8 @@
         </p:nvSpPr>
         <p:spPr>
           <a:xfrm>
-            <a:off x="457200" y="2174875"/>
-            <a:ext cx="4040188" cy="3951288"/>
+            <a:off x="609600" y="2174875"/>
+            <a:ext cx="5386917" cy="3951288"/>
           </a:xfrm>
         </p:spPr>
         <p:txBody>
@@ -5939,8 +5943,8 @@
         </p:nvSpPr>
         <p:spPr>
           <a:xfrm>
-            <a:off x="4645025" y="1535113"/>
-            <a:ext cx="4041775" cy="639762"/>
+            <a:off x="6193368" y="1535113"/>
+            <a:ext cx="5389033" cy="639762"/>
           </a:xfrm>
         </p:spPr>
         <p:txBody>
@@ -6004,8 +6008,8 @@
         </p:nvSpPr>
         <p:spPr>
           <a:xfrm>
-            <a:off x="4645025" y="2174875"/>
-            <a:ext cx="4041775" cy="3951288"/>
+            <a:off x="6193368" y="2174875"/>
+            <a:ext cx="5389033" cy="3951288"/>
           </a:xfrm>
         </p:spPr>
         <p:txBody>
@@ -6433,8 +6437,8 @@
         </p:nvSpPr>
         <p:spPr>
           <a:xfrm>
-            <a:off x="3352800" y="5029200"/>
-            <a:ext cx="3962400" cy="1143000"/>
+            <a:off x="4470400" y="5029200"/>
+            <a:ext cx="5283200" cy="1143000"/>
           </a:xfrm>
         </p:spPr>
         <p:txBody>
@@ -6547,8 +6551,8 @@
         </p:nvSpPr>
         <p:spPr>
           <a:xfrm>
-            <a:off x="1371600" y="990600"/>
-            <a:ext cx="7772400" cy="1470025"/>
+            <a:off x="1828800" y="990601"/>
+            <a:ext cx="10363200" cy="1470025"/>
           </a:xfrm>
           <a:ln w="9525"/>
         </p:spPr>
@@ -6825,8 +6829,8 @@
         </p:nvSpPr>
         <p:spPr>
           <a:xfrm>
-            <a:off x="457200" y="1600200"/>
-            <a:ext cx="4038600" cy="4525963"/>
+            <a:off x="609600" y="1600201"/>
+            <a:ext cx="5384800" cy="4525963"/>
           </a:xfrm>
         </p:spPr>
         <p:txBody>
@@ -6910,8 +6914,8 @@
         </p:nvSpPr>
         <p:spPr>
           <a:xfrm>
-            <a:off x="4648200" y="1600200"/>
-            <a:ext cx="4038600" cy="4525963"/>
+            <a:off x="6197600" y="1600201"/>
+            <a:ext cx="5384800" cy="4525963"/>
           </a:xfrm>
         </p:spPr>
         <p:txBody>
@@ -7110,8 +7114,8 @@
         </p:nvSpPr>
         <p:spPr bwMode="auto">
           <a:xfrm>
-            <a:off x="457200" y="228600"/>
-            <a:ext cx="8458200" cy="1143000"/>
+            <a:off x="609600" y="228600"/>
+            <a:ext cx="11277600" cy="1143000"/>
           </a:xfrm>
           <a:prstGeom prst="rect">
             <a:avLst/>
@@ -7154,8 +7158,8 @@
         </p:nvSpPr>
         <p:spPr bwMode="auto">
           <a:xfrm>
-            <a:off x="457200" y="1600200"/>
-            <a:ext cx="8229600" cy="4525963"/>
+            <a:off x="609600" y="1600201"/>
+            <a:ext cx="10972800" cy="4525963"/>
           </a:xfrm>
           <a:prstGeom prst="rect">
             <a:avLst/>
@@ -7226,8 +7230,8 @@
         </p:nvSpPr>
         <p:spPr bwMode="auto">
           <a:xfrm>
-            <a:off x="457200" y="6245225"/>
-            <a:ext cx="2133600" cy="476250"/>
+            <a:off x="609600" y="6245225"/>
+            <a:ext cx="2844800" cy="476250"/>
           </a:xfrm>
           <a:prstGeom prst="rect">
             <a:avLst/>
@@ -7271,8 +7275,8 @@
         </p:nvSpPr>
         <p:spPr bwMode="auto">
           <a:xfrm>
-            <a:off x="3124200" y="6245225"/>
-            <a:ext cx="2895600" cy="476250"/>
+            <a:off x="4165600" y="6245225"/>
+            <a:ext cx="3860800" cy="476250"/>
           </a:xfrm>
           <a:prstGeom prst="rect">
             <a:avLst/>
@@ -7316,8 +7320,8 @@
         </p:nvSpPr>
         <p:spPr bwMode="auto">
           <a:xfrm>
-            <a:off x="6553200" y="6245225"/>
-            <a:ext cx="2133600" cy="476250"/>
+            <a:off x="8737600" y="6245225"/>
+            <a:ext cx="2844800" cy="476250"/>
           </a:xfrm>
           <a:prstGeom prst="rect">
             <a:avLst/>
@@ -7365,7 +7369,7 @@
         <p:spPr bwMode="auto">
           <a:xfrm>
             <a:off x="0" y="1447800"/>
-            <a:ext cx="9144000" cy="0"/>
+            <a:ext cx="12192000" cy="0"/>
           </a:xfrm>
           <a:prstGeom prst="line">
             <a:avLst/>
@@ -7857,8 +7861,8 @@
         </p:nvSpPr>
         <p:spPr bwMode="auto">
           <a:xfrm>
-            <a:off x="457200" y="228600"/>
-            <a:ext cx="8458200" cy="1143000"/>
+            <a:off x="609600" y="228600"/>
+            <a:ext cx="11277600" cy="1143000"/>
           </a:xfrm>
           <a:prstGeom prst="rect">
             <a:avLst/>
@@ -7901,8 +7905,8 @@
         </p:nvSpPr>
         <p:spPr bwMode="auto">
           <a:xfrm>
-            <a:off x="457200" y="1600200"/>
-            <a:ext cx="8229600" cy="4525963"/>
+            <a:off x="609600" y="1600201"/>
+            <a:ext cx="10972800" cy="4525963"/>
           </a:xfrm>
           <a:prstGeom prst="rect">
             <a:avLst/>
@@ -7973,8 +7977,8 @@
         </p:nvSpPr>
         <p:spPr bwMode="auto">
           <a:xfrm>
-            <a:off x="457200" y="6245225"/>
-            <a:ext cx="2133600" cy="476250"/>
+            <a:off x="609600" y="6245225"/>
+            <a:ext cx="2844800" cy="476250"/>
           </a:xfrm>
           <a:prstGeom prst="rect">
             <a:avLst/>
@@ -8018,8 +8022,8 @@
         </p:nvSpPr>
         <p:spPr bwMode="auto">
           <a:xfrm>
-            <a:off x="3124200" y="6245225"/>
-            <a:ext cx="2895600" cy="476250"/>
+            <a:off x="4165600" y="6245225"/>
+            <a:ext cx="3860800" cy="476250"/>
           </a:xfrm>
           <a:prstGeom prst="rect">
             <a:avLst/>
@@ -8063,8 +8067,8 @@
         </p:nvSpPr>
         <p:spPr bwMode="auto">
           <a:xfrm>
-            <a:off x="6553200" y="6245225"/>
-            <a:ext cx="2133600" cy="476250"/>
+            <a:off x="8737600" y="6245225"/>
+            <a:ext cx="2844800" cy="476250"/>
           </a:xfrm>
           <a:prstGeom prst="rect">
             <a:avLst/>
@@ -8112,7 +8116,7 @@
         <p:spPr bwMode="auto">
           <a:xfrm>
             <a:off x="0" y="1447800"/>
-            <a:ext cx="9144000" cy="0"/>
+            <a:ext cx="12192000" cy="0"/>
           </a:xfrm>
           <a:prstGeom prst="line">
             <a:avLst/>
@@ -8605,8 +8609,8 @@
         </p:nvSpPr>
         <p:spPr bwMode="auto">
           <a:xfrm>
-            <a:off x="457200" y="228600"/>
-            <a:ext cx="8458200" cy="1143000"/>
+            <a:off x="609600" y="228600"/>
+            <a:ext cx="11277600" cy="1143000"/>
           </a:xfrm>
           <a:prstGeom prst="rect">
             <a:avLst/>
@@ -8649,8 +8653,8 @@
         </p:nvSpPr>
         <p:spPr bwMode="auto">
           <a:xfrm>
-            <a:off x="457200" y="1600200"/>
-            <a:ext cx="8229600" cy="4525963"/>
+            <a:off x="609600" y="1600201"/>
+            <a:ext cx="10972800" cy="4525963"/>
           </a:xfrm>
           <a:prstGeom prst="rect">
             <a:avLst/>
@@ -8721,8 +8725,8 @@
         </p:nvSpPr>
         <p:spPr bwMode="auto">
           <a:xfrm>
-            <a:off x="457200" y="6245225"/>
-            <a:ext cx="2133600" cy="476250"/>
+            <a:off x="609600" y="6245225"/>
+            <a:ext cx="2844800" cy="476250"/>
           </a:xfrm>
           <a:prstGeom prst="rect">
             <a:avLst/>
@@ -8769,8 +8773,8 @@
         </p:nvSpPr>
         <p:spPr bwMode="auto">
           <a:xfrm>
-            <a:off x="3124200" y="6245225"/>
-            <a:ext cx="2895600" cy="476250"/>
+            <a:off x="4165600" y="6245225"/>
+            <a:ext cx="3860800" cy="476250"/>
           </a:xfrm>
           <a:prstGeom prst="rect">
             <a:avLst/>
@@ -8817,8 +8821,8 @@
         </p:nvSpPr>
         <p:spPr bwMode="auto">
           <a:xfrm>
-            <a:off x="6553200" y="6245225"/>
-            <a:ext cx="2133600" cy="476250"/>
+            <a:off x="8737600" y="6245225"/>
+            <a:ext cx="2844800" cy="476250"/>
           </a:xfrm>
           <a:prstGeom prst="rect">
             <a:avLst/>
@@ -8871,7 +8875,7 @@
         <p:spPr bwMode="auto">
           <a:xfrm>
             <a:off x="0" y="1447800"/>
-            <a:ext cx="9144000" cy="0"/>
+            <a:ext cx="12192000" cy="0"/>
           </a:xfrm>
           <a:prstGeom prst="line">
             <a:avLst/>
@@ -9364,8 +9368,8 @@
         </p:nvSpPr>
         <p:spPr bwMode="auto">
           <a:xfrm>
-            <a:off x="457200" y="228600"/>
-            <a:ext cx="8458200" cy="1143000"/>
+            <a:off x="609600" y="228600"/>
+            <a:ext cx="11277600" cy="1143000"/>
           </a:xfrm>
           <a:prstGeom prst="rect">
             <a:avLst/>
@@ -9408,8 +9412,8 @@
         </p:nvSpPr>
         <p:spPr bwMode="auto">
           <a:xfrm>
-            <a:off x="457200" y="1600200"/>
-            <a:ext cx="8229600" cy="4525963"/>
+            <a:off x="609600" y="1600201"/>
+            <a:ext cx="10972800" cy="4525963"/>
           </a:xfrm>
           <a:prstGeom prst="rect">
             <a:avLst/>
@@ -9480,8 +9484,8 @@
         </p:nvSpPr>
         <p:spPr bwMode="auto">
           <a:xfrm>
-            <a:off x="457200" y="6245225"/>
-            <a:ext cx="2133600" cy="476250"/>
+            <a:off x="609600" y="6245225"/>
+            <a:ext cx="2844800" cy="476250"/>
           </a:xfrm>
           <a:prstGeom prst="rect">
             <a:avLst/>
@@ -9528,8 +9532,8 @@
         </p:nvSpPr>
         <p:spPr bwMode="auto">
           <a:xfrm>
-            <a:off x="3124200" y="6245225"/>
-            <a:ext cx="2895600" cy="476250"/>
+            <a:off x="4165600" y="6245225"/>
+            <a:ext cx="3860800" cy="476250"/>
           </a:xfrm>
           <a:prstGeom prst="rect">
             <a:avLst/>
@@ -9576,8 +9580,8 @@
         </p:nvSpPr>
         <p:spPr bwMode="auto">
           <a:xfrm>
-            <a:off x="6553200" y="6245225"/>
-            <a:ext cx="2133600" cy="476250"/>
+            <a:off x="8737600" y="6245225"/>
+            <a:ext cx="2844800" cy="476250"/>
           </a:xfrm>
           <a:prstGeom prst="rect">
             <a:avLst/>
@@ -9630,7 +9634,7 @@
         <p:spPr bwMode="auto">
           <a:xfrm>
             <a:off x="0" y="1447800"/>
-            <a:ext cx="9144000" cy="0"/>
+            <a:ext cx="12192000" cy="0"/>
           </a:xfrm>
           <a:prstGeom prst="line">
             <a:avLst/>
@@ -10171,7 +10175,7 @@
         </p:blipFill>
         <p:spPr>
           <a:xfrm>
-            <a:off x="254416" y="3532940"/>
+            <a:off x="1778417" y="3532940"/>
             <a:ext cx="3845815" cy="1811310"/>
           </a:xfrm>
           <a:prstGeom prst="rect">
@@ -10195,7 +10199,7 @@
         </p:blipFill>
         <p:spPr>
           <a:xfrm>
-            <a:off x="5186855" y="2683136"/>
+            <a:off x="6710855" y="2683136"/>
             <a:ext cx="3291154" cy="1983388"/>
           </a:xfrm>
           <a:prstGeom prst="rect">
@@ -10219,7 +10223,7 @@
         </p:blipFill>
         <p:spPr>
           <a:xfrm>
-            <a:off x="149772" y="1469504"/>
+            <a:off x="1673772" y="1469504"/>
             <a:ext cx="3548840" cy="1405096"/>
           </a:xfrm>
           <a:prstGeom prst="rect">
@@ -10262,7 +10266,7 @@
       </p:grpSpPr>
       <p:sp>
         <p:nvSpPr>
-          <p:cNvPr id="6" name="Title 5"/>
+          <p:cNvPr id="2" name="Title 1"/>
           <p:cNvSpPr>
             <a:spLocks noGrp="1"/>
           </p:cNvSpPr>
@@ -10277,9 +10281,12 @@
           <a:p>
             <a:r>
               <a:rPr lang="en-US" dirty="0" smtClean="0"/>
-              <a:t>Online?</a:t>
-            </a:r>
-            <a:endParaRPr lang="en-US" dirty="0"/>
+              <a:t>Pivot (</a:t>
+            </a:r>
+            <a:r>
+              <a:rPr lang="en-US" dirty="0"/>
+              <a:t>google pivot entrepreneur!)</a:t>
+            </a:r>
           </a:p>
         </p:txBody>
       </p:sp>
@@ -10298,69 +10305,62 @@
           <a:bodyPr/>
           <a:lstStyle/>
           <a:p>
-            <a:pPr>
-              <a:buClrTx/>
-            </a:pPr>
-            <a:r>
-              <a:rPr lang="en-US" sz="2400" dirty="0" smtClean="0">
-                <a:solidFill>
-                  <a:schemeClr val="bg2"/>
-                </a:solidFill>
-              </a:rPr>
-              <a:t>Checking in</a:t>
-            </a:r>
-          </a:p>
-          <a:p>
-            <a:pPr>
-              <a:buClrTx/>
-            </a:pPr>
-            <a:r>
-              <a:rPr lang="en-US" sz="2400" b="1" u="sng" dirty="0" smtClean="0">
-                <a:solidFill>
-                  <a:schemeClr val="bg2"/>
-                </a:solidFill>
-              </a:rPr>
-              <a:t>Community</a:t>
-            </a:r>
-            <a:r>
-              <a:rPr lang="en-US" sz="2400" dirty="0" smtClean="0">
-                <a:solidFill>
-                  <a:schemeClr val="bg2"/>
-                </a:solidFill>
-              </a:rPr>
-              <a:t> of learners</a:t>
-            </a:r>
-          </a:p>
-          <a:p>
-            <a:pPr>
-              <a:buClrTx/>
-            </a:pPr>
-            <a:r>
-              <a:rPr lang="en-US" sz="2400" dirty="0" smtClean="0">
-                <a:solidFill>
-                  <a:schemeClr val="bg2"/>
-                </a:solidFill>
-              </a:rPr>
-              <a:t>My office hours</a:t>
-            </a:r>
-            <a:endParaRPr lang="en-US" sz="2400" dirty="0" smtClean="0">
-              <a:solidFill>
-                <a:schemeClr val="bg2"/>
-              </a:solidFill>
-            </a:endParaRPr>
-          </a:p>
-          <a:p>
-            <a:pPr marL="0" indent="0">
-              <a:buNone/>
-            </a:pPr>
-            <a:endParaRPr lang="en-US" dirty="0"/>
+            <a:r>
+              <a:rPr lang="en-US" dirty="0" smtClean="0"/>
+              <a:t>I had this hypothesis that meeting together in the lab was the best way to teach</a:t>
+            </a:r>
+          </a:p>
+          <a:p>
+            <a:r>
+              <a:rPr lang="en-US" dirty="0" smtClean="0"/>
+              <a:t>We got some new data that suggested that meeting together in the lab isn’t a good strategy now</a:t>
+            </a:r>
+          </a:p>
+          <a:p>
+            <a:r>
+              <a:rPr lang="en-US" dirty="0" smtClean="0"/>
+              <a:t>So we are pivoting</a:t>
+            </a:r>
+          </a:p>
+          <a:p>
+            <a:pPr lvl="1"/>
+            <a:r>
+              <a:rPr lang="en-US" dirty="0" smtClean="0"/>
+              <a:t>Let’s make this an awesome opportunity</a:t>
+            </a:r>
+          </a:p>
+          <a:p>
+            <a:pPr lvl="1"/>
+            <a:r>
+              <a:rPr lang="en-US" dirty="0" smtClean="0"/>
+              <a:t>We have one new constraint (can’t meet physically)</a:t>
+            </a:r>
+          </a:p>
+          <a:p>
+            <a:pPr lvl="1"/>
+            <a:r>
+              <a:rPr lang="en-US" dirty="0" smtClean="0"/>
+              <a:t>We have more institutional flexibility</a:t>
+            </a:r>
+          </a:p>
+          <a:p>
+            <a:pPr lvl="1"/>
+            <a:r>
+              <a:rPr lang="en-US" dirty="0" smtClean="0"/>
+              <a:t>We will use this opportunity to learn </a:t>
+            </a:r>
+            <a:r>
+              <a:rPr lang="en-US" dirty="0" err="1" smtClean="0"/>
+              <a:t>Onshape</a:t>
+            </a:r>
+            <a:endParaRPr lang="en-US" dirty="0" smtClean="0"/>
           </a:p>
         </p:txBody>
       </p:sp>
     </p:spTree>
     <p:extLst>
       <p:ext uri="{BB962C8B-B14F-4D97-AF65-F5344CB8AC3E}">
-        <p14:creationId xmlns:p14="http://schemas.microsoft.com/office/powerpoint/2010/main" val="554146007"/>
+        <p14:creationId xmlns:p14="http://schemas.microsoft.com/office/powerpoint/2010/main" val="894208263"/>
       </p:ext>
     </p:extLst>
   </p:cSld>
@@ -10370,13 +10370,6 @@
   <p:transition>
     <p:fade/>
   </p:transition>
-  <p:timing>
-    <p:tnLst>
-      <p:par>
-        <p:cTn id="1" dur="indefinite" restart="never" nodeType="tmRoot"/>
-      </p:par>
-    </p:tnLst>
-  </p:timing>
 </p:sld>
 </file>
 
@@ -10426,7 +10419,15 @@
                   <a:schemeClr val="bg2"/>
                 </a:solidFill>
               </a:rPr>
-              <a:t>in</a:t>
+              <a:t>in: </a:t>
+            </a:r>
+            <a:r>
+              <a:rPr lang="en-US" dirty="0"/>
+              <a:t>Random breakout room </a:t>
+            </a:r>
+            <a:r>
+              <a:rPr lang="en-US" dirty="0" smtClean="0"/>
+              <a:t>task</a:t>
             </a:r>
             <a:endParaRPr lang="en-US" dirty="0"/>
           </a:p>
@@ -10449,31 +10450,30 @@
           <a:p>
             <a:r>
               <a:rPr lang="en-US" dirty="0" smtClean="0"/>
-              <a:t>Where are you?</a:t>
-            </a:r>
-          </a:p>
-          <a:p>
+              <a:t>One </a:t>
+            </a:r>
             <a:r>
               <a:rPr lang="en-US" dirty="0" smtClean="0"/>
-              <a:t>Breakout room task</a:t>
-            </a:r>
-          </a:p>
-          <a:p>
-            <a:pPr lvl="1"/>
+              <a:t>thing </a:t>
+            </a:r>
             <a:r>
               <a:rPr lang="en-US" dirty="0" smtClean="0"/>
-              <a:t>One thing you are worried about</a:t>
-            </a:r>
-          </a:p>
-          <a:p>
-            <a:pPr lvl="1"/>
+              <a:t>you miss during the pandemic</a:t>
+            </a:r>
+            <a:endParaRPr lang="en-US" dirty="0" smtClean="0"/>
+          </a:p>
+          <a:p>
             <a:r>
               <a:rPr lang="en-US" dirty="0" smtClean="0"/>
-              <a:t>A hope for the spring semester at Cornell</a:t>
-            </a:r>
-          </a:p>
-          <a:p>
-            <a:pPr lvl="1"/>
+              <a:t>A hope for the spring </a:t>
+            </a:r>
+            <a:r>
+              <a:rPr lang="en-US" dirty="0" smtClean="0"/>
+              <a:t>semester</a:t>
+            </a:r>
+            <a:endParaRPr lang="en-US" dirty="0" smtClean="0"/>
+          </a:p>
+          <a:p>
             <a:r>
               <a:rPr lang="en-US" dirty="0" smtClean="0"/>
               <a:t>An idea for how to build an online community of learners for 4530</a:t>
@@ -10530,6 +10530,344 @@
           <a:lstStyle/>
           <a:p>
             <a:r>
+              <a:rPr lang="en-US" dirty="0" smtClean="0"/>
+              <a:t>So life is complicated right now</a:t>
+            </a:r>
+            <a:endParaRPr lang="en-US" dirty="0"/>
+          </a:p>
+        </p:txBody>
+      </p:sp>
+      <p:sp>
+        <p:nvSpPr>
+          <p:cNvPr id="3" name="Content Placeholder 2"/>
+          <p:cNvSpPr>
+            <a:spLocks noGrp="1"/>
+          </p:cNvSpPr>
+          <p:nvPr>
+            <p:ph idx="1"/>
+          </p:nvPr>
+        </p:nvSpPr>
+        <p:spPr/>
+        <p:txBody>
+          <a:bodyPr/>
+          <a:lstStyle/>
+          <a:p>
+            <a:r>
+              <a:rPr lang="en-US" dirty="0" smtClean="0"/>
+              <a:t>If your life gets complicated</a:t>
+            </a:r>
+          </a:p>
+          <a:p>
+            <a:r>
+              <a:rPr lang="en-US" dirty="0" smtClean="0"/>
+              <a:t>Talk to me (email or phone or zoom or </a:t>
+            </a:r>
+            <a:r>
+              <a:rPr lang="en-US" dirty="0" err="1" smtClean="0"/>
+              <a:t>whatsApp</a:t>
+            </a:r>
+            <a:r>
+              <a:rPr lang="en-US" dirty="0" smtClean="0"/>
+              <a:t> or…)</a:t>
+            </a:r>
+          </a:p>
+          <a:p>
+            <a:r>
+              <a:rPr lang="en-US" dirty="0" smtClean="0"/>
+              <a:t>I’ll respect your privacy. You don’t need to tell me why your life is complicated. Just tell me you need a break or whatever accommodation.  </a:t>
+            </a:r>
+          </a:p>
+        </p:txBody>
+      </p:sp>
+    </p:spTree>
+    <p:extLst>
+      <p:ext uri="{BB962C8B-B14F-4D97-AF65-F5344CB8AC3E}">
+        <p14:creationId xmlns:p14="http://schemas.microsoft.com/office/powerpoint/2010/main" val="1980173052"/>
+      </p:ext>
+    </p:extLst>
+  </p:cSld>
+  <p:clrMapOvr>
+    <a:masterClrMapping/>
+  </p:clrMapOvr>
+  <p:transition>
+    <p:fade/>
+  </p:transition>
+</p:sld>
+</file>
+
+<file path=ppt/slides/slide5.xml><?xml version="1.0" encoding="utf-8"?>
+<p:sld xmlns:a="http://schemas.openxmlformats.org/drawingml/2006/main" xmlns:r="http://schemas.openxmlformats.org/officeDocument/2006/relationships" xmlns:p="http://schemas.openxmlformats.org/presentationml/2006/main">
+  <p:cSld>
+    <p:spTree>
+      <p:nvGrpSpPr>
+        <p:cNvPr id="1" name=""/>
+        <p:cNvGrpSpPr/>
+        <p:nvPr/>
+      </p:nvGrpSpPr>
+      <p:grpSpPr>
+        <a:xfrm>
+          <a:off x="0" y="0"/>
+          <a:ext cx="0" cy="0"/>
+          <a:chOff x="0" y="0"/>
+          <a:chExt cx="0" cy="0"/>
+        </a:xfrm>
+      </p:grpSpPr>
+      <p:sp>
+        <p:nvSpPr>
+          <p:cNvPr id="6" name="Title 5"/>
+          <p:cNvSpPr>
+            <a:spLocks noGrp="1"/>
+          </p:cNvSpPr>
+          <p:nvPr>
+            <p:ph type="title"/>
+          </p:nvPr>
+        </p:nvSpPr>
+        <p:spPr/>
+        <p:txBody>
+          <a:bodyPr/>
+          <a:lstStyle/>
+          <a:p>
+            <a:r>
+              <a:rPr lang="en-US" dirty="0" smtClean="0"/>
+              <a:t>Online?</a:t>
+            </a:r>
+            <a:endParaRPr lang="en-US" dirty="0"/>
+          </a:p>
+        </p:txBody>
+      </p:sp>
+      <p:sp>
+        <p:nvSpPr>
+          <p:cNvPr id="3" name="Content Placeholder 2"/>
+          <p:cNvSpPr>
+            <a:spLocks noGrp="1"/>
+          </p:cNvSpPr>
+          <p:nvPr>
+            <p:ph idx="1"/>
+          </p:nvPr>
+        </p:nvSpPr>
+        <p:spPr/>
+        <p:txBody>
+          <a:bodyPr/>
+          <a:lstStyle/>
+          <a:p>
+            <a:pPr>
+              <a:buClrTx/>
+            </a:pPr>
+            <a:r>
+              <a:rPr lang="en-US" sz="2400" b="1" u="sng" dirty="0" smtClean="0">
+                <a:solidFill>
+                  <a:schemeClr val="bg2"/>
+                </a:solidFill>
+              </a:rPr>
+              <a:t>Community</a:t>
+            </a:r>
+            <a:r>
+              <a:rPr lang="en-US" sz="2400" dirty="0" smtClean="0">
+                <a:solidFill>
+                  <a:schemeClr val="bg2"/>
+                </a:solidFill>
+              </a:rPr>
+              <a:t> </a:t>
+            </a:r>
+            <a:r>
+              <a:rPr lang="en-US" sz="2400" dirty="0">
+                <a:solidFill>
+                  <a:schemeClr val="bg2"/>
+                </a:solidFill>
+              </a:rPr>
+              <a:t>of </a:t>
+            </a:r>
+            <a:r>
+              <a:rPr lang="en-US" sz="2400" dirty="0" smtClean="0">
+                <a:solidFill>
+                  <a:schemeClr val="bg2"/>
+                </a:solidFill>
+              </a:rPr>
+              <a:t>learners</a:t>
+            </a:r>
+          </a:p>
+          <a:p>
+            <a:pPr lvl="1">
+              <a:buClrTx/>
+            </a:pPr>
+            <a:r>
+              <a:rPr lang="en-US" sz="2000" dirty="0" smtClean="0">
+                <a:solidFill>
+                  <a:schemeClr val="bg2"/>
+                </a:solidFill>
+              </a:rPr>
+              <a:t>We will need to work extra hard to get face-to-face interactions</a:t>
+            </a:r>
+          </a:p>
+          <a:p>
+            <a:pPr lvl="1">
+              <a:buClrTx/>
+            </a:pPr>
+            <a:r>
+              <a:rPr lang="en-US" sz="2000" dirty="0" smtClean="0">
+                <a:solidFill>
+                  <a:schemeClr val="bg2"/>
+                </a:solidFill>
+              </a:rPr>
+              <a:t>I like meeting with you, so don’t hesitate to reach out!</a:t>
+            </a:r>
+          </a:p>
+          <a:p>
+            <a:pPr lvl="1">
+              <a:buClrTx/>
+            </a:pPr>
+            <a:r>
+              <a:rPr lang="en-US" sz="2000" dirty="0" smtClean="0">
+                <a:solidFill>
+                  <a:schemeClr val="bg2"/>
+                </a:solidFill>
+              </a:rPr>
+              <a:t>We will work to create virtual face-to-face interactions in teams and as a class</a:t>
+            </a:r>
+          </a:p>
+          <a:p>
+            <a:pPr lvl="1">
+              <a:buClrTx/>
+            </a:pPr>
+            <a:r>
+              <a:rPr lang="en-US" sz="2000" dirty="0" smtClean="0">
+                <a:solidFill>
+                  <a:schemeClr val="bg2"/>
+                </a:solidFill>
+              </a:rPr>
+              <a:t>I welcome suggestions!</a:t>
+            </a:r>
+            <a:endParaRPr lang="en-US" sz="2000" dirty="0">
+              <a:solidFill>
+                <a:schemeClr val="bg2"/>
+              </a:solidFill>
+            </a:endParaRPr>
+          </a:p>
+          <a:p>
+            <a:pPr>
+              <a:buClrTx/>
+            </a:pPr>
+            <a:r>
+              <a:rPr lang="en-US" sz="2400" dirty="0">
+                <a:solidFill>
+                  <a:schemeClr val="bg2"/>
+                </a:solidFill>
+              </a:rPr>
+              <a:t>My office </a:t>
+            </a:r>
+            <a:r>
+              <a:rPr lang="en-US" sz="2400" dirty="0" smtClean="0">
+                <a:solidFill>
+                  <a:schemeClr val="bg2"/>
+                </a:solidFill>
+              </a:rPr>
+              <a:t>hours</a:t>
+            </a:r>
+          </a:p>
+          <a:p>
+            <a:pPr lvl="1">
+              <a:buClrTx/>
+            </a:pPr>
+            <a:r>
+              <a:rPr lang="en-US" sz="2000" dirty="0" smtClean="0">
+                <a:solidFill>
+                  <a:schemeClr val="bg2"/>
+                </a:solidFill>
+              </a:rPr>
+              <a:t>I’m learning as we go (see Canvas announcements for Monroe’s Zoom office room)</a:t>
+            </a:r>
+          </a:p>
+          <a:p>
+            <a:pPr lvl="1">
+              <a:buClrTx/>
+            </a:pPr>
+            <a:r>
+              <a:rPr lang="en-US" sz="2000" dirty="0" smtClean="0">
+                <a:solidFill>
+                  <a:schemeClr val="bg2"/>
+                </a:solidFill>
+              </a:rPr>
+              <a:t>I’ll start with on demand! I’m available most afternoons. Knock on my door with a calendar invite or a WhatsApp message or a Zoom meeting</a:t>
+            </a:r>
+          </a:p>
+          <a:p>
+            <a:pPr lvl="1">
+              <a:buClrTx/>
+            </a:pPr>
+            <a:endParaRPr lang="en-US" sz="2000" dirty="0">
+              <a:solidFill>
+                <a:schemeClr val="bg2"/>
+              </a:solidFill>
+            </a:endParaRPr>
+          </a:p>
+          <a:p>
+            <a:pPr marL="0" indent="0">
+              <a:buNone/>
+            </a:pPr>
+            <a:endParaRPr lang="en-US" dirty="0"/>
+          </a:p>
+        </p:txBody>
+      </p:sp>
+    </p:spTree>
+    <p:extLst>
+      <p:ext uri="{BB962C8B-B14F-4D97-AF65-F5344CB8AC3E}">
+        <p14:creationId xmlns:p14="http://schemas.microsoft.com/office/powerpoint/2010/main" val="554146007"/>
+      </p:ext>
+    </p:extLst>
+  </p:cSld>
+  <p:clrMapOvr>
+    <a:masterClrMapping/>
+  </p:clrMapOvr>
+  <p:transition>
+    <p:fade/>
+  </p:transition>
+  <p:timing>
+    <p:tnLst>
+      <p:par>
+        <p:cTn id="1" dur="indefinite" restart="never" nodeType="tmRoot"/>
+      </p:par>
+    </p:tnLst>
+  </p:timing>
+</p:sld>
+</file>
+
+<file path=ppt/slides/slide6.xml><?xml version="1.0" encoding="utf-8"?>
+<p:sld xmlns:a="http://schemas.openxmlformats.org/drawingml/2006/main" xmlns:r="http://schemas.openxmlformats.org/officeDocument/2006/relationships" xmlns:p="http://schemas.openxmlformats.org/presentationml/2006/main">
+  <p:cSld>
+    <p:spTree>
+      <p:nvGrpSpPr>
+        <p:cNvPr id="1" name=""/>
+        <p:cNvGrpSpPr/>
+        <p:nvPr/>
+      </p:nvGrpSpPr>
+      <p:grpSpPr>
+        <a:xfrm>
+          <a:off x="0" y="0"/>
+          <a:ext cx="0" cy="0"/>
+          <a:chOff x="0" y="0"/>
+          <a:chExt cx="0" cy="0"/>
+        </a:xfrm>
+      </p:grpSpPr>
+      <p:sp>
+        <p:nvSpPr>
+          <p:cNvPr id="2" name="Title 1"/>
+          <p:cNvSpPr>
+            <a:spLocks noGrp="1"/>
+          </p:cNvSpPr>
+          <p:nvPr>
+            <p:ph type="title"/>
+          </p:nvPr>
+        </p:nvSpPr>
+        <p:spPr/>
+        <p:txBody>
+          <a:bodyPr/>
+          <a:lstStyle/>
+          <a:p>
+            <a:r>
+              <a:rPr lang="en-US" dirty="0" smtClean="0"/>
+              <a:t>Why did I pick </a:t>
+            </a:r>
+            <a:r>
               <a:rPr lang="en-US" dirty="0" err="1" smtClean="0"/>
               <a:t>Onshape</a:t>
             </a:r>
@@ -10554,16 +10892,169 @@
           <a:p>
             <a:r>
               <a:rPr lang="en-US" dirty="0" smtClean="0"/>
-              <a:t>Could be done individually or in teams</a:t>
-            </a:r>
-          </a:p>
-          <a:p>
+              <a:t>Free</a:t>
+            </a:r>
+          </a:p>
+          <a:p>
+            <a:r>
+              <a:rPr lang="en-US" dirty="0" smtClean="0"/>
+              <a:t>Online</a:t>
+            </a:r>
+          </a:p>
+          <a:p>
+            <a:r>
+              <a:rPr lang="en-US" dirty="0" smtClean="0"/>
+              <a:t>Collaborative</a:t>
+            </a:r>
+          </a:p>
+          <a:p>
+            <a:r>
+              <a:rPr lang="en-US" dirty="0" smtClean="0"/>
+              <a:t>Don’t need a powerful computer</a:t>
+            </a:r>
+          </a:p>
+          <a:p>
+            <a:r>
+              <a:rPr lang="en-US" dirty="0" smtClean="0"/>
+              <a:t>Next generation (created by former SolidWorks CEOs)</a:t>
+            </a:r>
+          </a:p>
+          <a:p>
+            <a:r>
+              <a:rPr lang="en-US" dirty="0" smtClean="0"/>
+              <a:t>I didn’t pick </a:t>
+            </a:r>
             <a:r>
               <a:rPr lang="en-US" dirty="0" err="1" smtClean="0"/>
               <a:t>Onshape</a:t>
             </a:r>
             <a:r>
               <a:rPr lang="en-US" dirty="0" smtClean="0"/>
+              <a:t>. A former student recommended it!</a:t>
+            </a:r>
+          </a:p>
+          <a:p>
+            <a:endParaRPr lang="en-US" dirty="0"/>
+          </a:p>
+        </p:txBody>
+      </p:sp>
+    </p:spTree>
+    <p:extLst>
+      <p:ext uri="{BB962C8B-B14F-4D97-AF65-F5344CB8AC3E}">
+        <p14:creationId xmlns:p14="http://schemas.microsoft.com/office/powerpoint/2010/main" val="3660188137"/>
+      </p:ext>
+    </p:extLst>
+  </p:cSld>
+  <p:clrMapOvr>
+    <a:masterClrMapping/>
+  </p:clrMapOvr>
+  <p:transition>
+    <p:fade/>
+  </p:transition>
+</p:sld>
+</file>
+
+<file path=ppt/slides/slide7.xml><?xml version="1.0" encoding="utf-8"?>
+<p:sld xmlns:a="http://schemas.openxmlformats.org/drawingml/2006/main" xmlns:r="http://schemas.openxmlformats.org/officeDocument/2006/relationships" xmlns:p="http://schemas.openxmlformats.org/presentationml/2006/main">
+  <p:cSld>
+    <p:spTree>
+      <p:nvGrpSpPr>
+        <p:cNvPr id="1" name=""/>
+        <p:cNvGrpSpPr/>
+        <p:nvPr/>
+      </p:nvGrpSpPr>
+      <p:grpSpPr>
+        <a:xfrm>
+          <a:off x="0" y="0"/>
+          <a:ext cx="0" cy="0"/>
+          <a:chOff x="0" y="0"/>
+          <a:chExt cx="0" cy="0"/>
+        </a:xfrm>
+      </p:grpSpPr>
+      <p:sp>
+        <p:nvSpPr>
+          <p:cNvPr id="2" name="Title 1"/>
+          <p:cNvSpPr>
+            <a:spLocks noGrp="1"/>
+          </p:cNvSpPr>
+          <p:nvPr>
+            <p:ph type="title"/>
+          </p:nvPr>
+        </p:nvSpPr>
+        <p:spPr/>
+        <p:txBody>
+          <a:bodyPr/>
+          <a:lstStyle/>
+          <a:p>
+            <a:r>
+              <a:rPr lang="en-US" dirty="0" err="1" smtClean="0"/>
+              <a:t>Onshape</a:t>
+            </a:r>
+            <a:r>
+              <a:rPr lang="en-US" dirty="0" smtClean="0"/>
+              <a:t> Project </a:t>
+            </a:r>
+            <a:r>
+              <a:rPr lang="en-US" sz="3600" dirty="0" smtClean="0"/>
+              <a:t>(</a:t>
+            </a:r>
+            <a:r>
+              <a:rPr lang="en-US" sz="3600" dirty="0">
+                <a:hlinkClick r:id="rId2"/>
+              </a:rPr>
+              <a:t>https://</a:t>
+            </a:r>
+            <a:r>
+              <a:rPr lang="en-US" sz="3600" dirty="0" smtClean="0">
+                <a:hlinkClick r:id="rId2"/>
+              </a:rPr>
+              <a:t>github.com/monroews/CEE4530/wiki/Onshape</a:t>
+            </a:r>
+            <a:r>
+              <a:rPr lang="en-US" sz="3600" dirty="0" smtClean="0"/>
+              <a:t>)</a:t>
+            </a:r>
+            <a:endParaRPr lang="en-US" dirty="0"/>
+          </a:p>
+        </p:txBody>
+      </p:sp>
+      <p:sp>
+        <p:nvSpPr>
+          <p:cNvPr id="3" name="Content Placeholder 2"/>
+          <p:cNvSpPr>
+            <a:spLocks noGrp="1"/>
+          </p:cNvSpPr>
+          <p:nvPr>
+            <p:ph idx="1"/>
+          </p:nvPr>
+        </p:nvSpPr>
+        <p:spPr/>
+        <p:txBody>
+          <a:bodyPr/>
+          <a:lstStyle/>
+          <a:p>
+            <a:r>
+              <a:rPr lang="en-US" dirty="0" smtClean="0"/>
+              <a:t>Start with online tutorials (see syllabus)</a:t>
+            </a:r>
+          </a:p>
+          <a:p>
+            <a:r>
+              <a:rPr lang="en-US" dirty="0" smtClean="0"/>
+              <a:t>Could </a:t>
+            </a:r>
+            <a:r>
+              <a:rPr lang="en-US" dirty="0" smtClean="0"/>
+              <a:t>be done individually or in teams</a:t>
+            </a:r>
+          </a:p>
+          <a:p>
+            <a:r>
+              <a:rPr lang="en-US" dirty="0" err="1" smtClean="0"/>
+              <a:t>Onshape</a:t>
+            </a:r>
+            <a:r>
+              <a:rPr lang="en-US" dirty="0" smtClean="0"/>
               <a:t> is designed for collaboration</a:t>
             </a:r>
           </a:p>
@@ -10573,18 +11064,12 @@
               <a:t>Weekly </a:t>
             </a:r>
             <a:r>
-              <a:rPr lang="en-US" dirty="0" err="1" smtClean="0"/>
-              <a:t>checkins</a:t>
-            </a:r>
-            <a:r>
               <a:rPr lang="en-US" dirty="0" smtClean="0"/>
-              <a:t> where we show something we are working on</a:t>
-            </a:r>
-          </a:p>
-          <a:p>
+              <a:t>check-ins </a:t>
+            </a:r>
             <a:r>
               <a:rPr lang="en-US" dirty="0" smtClean="0"/>
-              <a:t>Use online tutorials</a:t>
+              <a:t>where we show something we are working on</a:t>
             </a:r>
           </a:p>
           <a:p>
@@ -10596,6 +11081,81 @@
     <p:extLst>
       <p:ext uri="{BB962C8B-B14F-4D97-AF65-F5344CB8AC3E}">
         <p14:creationId xmlns:p14="http://schemas.microsoft.com/office/powerpoint/2010/main" val="1981942121"/>
+      </p:ext>
+    </p:extLst>
+  </p:cSld>
+  <p:clrMapOvr>
+    <a:masterClrMapping/>
+  </p:clrMapOvr>
+  <p:transition>
+    <p:fade/>
+  </p:transition>
+</p:sld>
+</file>
+
+<file path=ppt/slides/slide8.xml><?xml version="1.0" encoding="utf-8"?>
+<p:sld xmlns:a="http://schemas.openxmlformats.org/drawingml/2006/main" xmlns:r="http://schemas.openxmlformats.org/officeDocument/2006/relationships" xmlns:p="http://schemas.openxmlformats.org/presentationml/2006/main">
+  <p:cSld>
+    <p:spTree>
+      <p:nvGrpSpPr>
+        <p:cNvPr id="1" name=""/>
+        <p:cNvGrpSpPr/>
+        <p:nvPr/>
+      </p:nvGrpSpPr>
+      <p:grpSpPr>
+        <a:xfrm>
+          <a:off x="0" y="0"/>
+          <a:ext cx="0" cy="0"/>
+          <a:chOff x="0" y="0"/>
+          <a:chExt cx="0" cy="0"/>
+        </a:xfrm>
+      </p:grpSpPr>
+      <p:sp>
+        <p:nvSpPr>
+          <p:cNvPr id="2" name="Title 1"/>
+          <p:cNvSpPr>
+            <a:spLocks noGrp="1"/>
+          </p:cNvSpPr>
+          <p:nvPr>
+            <p:ph type="title"/>
+          </p:nvPr>
+        </p:nvSpPr>
+        <p:spPr/>
+        <p:txBody>
+          <a:bodyPr/>
+          <a:lstStyle/>
+          <a:p>
+            <a:r>
+              <a:rPr lang="en-US" dirty="0" smtClean="0"/>
+              <a:t>Breakout into teams</a:t>
+            </a:r>
+            <a:endParaRPr lang="en-US" dirty="0"/>
+          </a:p>
+        </p:txBody>
+      </p:sp>
+      <p:sp>
+        <p:nvSpPr>
+          <p:cNvPr id="3" name="Content Placeholder 2"/>
+          <p:cNvSpPr>
+            <a:spLocks noGrp="1"/>
+          </p:cNvSpPr>
+          <p:nvPr>
+            <p:ph idx="1"/>
+          </p:nvPr>
+        </p:nvSpPr>
+        <p:spPr/>
+        <p:txBody>
+          <a:bodyPr/>
+          <a:lstStyle/>
+          <a:p>
+            <a:endParaRPr lang="en-US"/>
+          </a:p>
+        </p:txBody>
+      </p:sp>
+    </p:spTree>
+    <p:extLst>
+      <p:ext uri="{BB962C8B-B14F-4D97-AF65-F5344CB8AC3E}">
+        <p14:creationId xmlns:p14="http://schemas.microsoft.com/office/powerpoint/2010/main" val="4170602630"/>
       </p:ext>
     </p:extLst>
   </p:cSld>

--- a/website/pptx/Online_Intro.pptx
+++ b/website/pptx/Online_Intro.pptx
@@ -10313,7 +10313,15 @@
           <a:p>
             <a:r>
               <a:rPr lang="en-US" dirty="0" smtClean="0"/>
-              <a:t>We got some new data that suggested that meeting together in the lab isn’t a good strategy now</a:t>
+              <a:t>We got some new </a:t>
+            </a:r>
+            <a:r>
+              <a:rPr lang="en-US" dirty="0" smtClean="0"/>
+              <a:t>data (that virus) </a:t>
+            </a:r>
+            <a:r>
+              <a:rPr lang="en-US" dirty="0" smtClean="0"/>
+              <a:t>that suggested that meeting together in the lab isn’t a good strategy now</a:t>
             </a:r>
           </a:p>
           <a:p>
@@ -10450,28 +10458,14 @@
           <a:p>
             <a:r>
               <a:rPr lang="en-US" dirty="0" smtClean="0"/>
-              <a:t>One </a:t>
-            </a:r>
+              <a:t>One thing you miss during the pandemic</a:t>
+            </a:r>
+          </a:p>
+          <a:p>
             <a:r>
               <a:rPr lang="en-US" dirty="0" smtClean="0"/>
-              <a:t>thing </a:t>
-            </a:r>
-            <a:r>
-              <a:rPr lang="en-US" dirty="0" smtClean="0"/>
-              <a:t>you miss during the pandemic</a:t>
-            </a:r>
-            <a:endParaRPr lang="en-US" dirty="0" smtClean="0"/>
-          </a:p>
-          <a:p>
-            <a:r>
-              <a:rPr lang="en-US" dirty="0" smtClean="0"/>
-              <a:t>A hope for the spring </a:t>
-            </a:r>
-            <a:r>
-              <a:rPr lang="en-US" dirty="0" smtClean="0"/>
-              <a:t>semester</a:t>
-            </a:r>
-            <a:endParaRPr lang="en-US" dirty="0" smtClean="0"/>
+              <a:t>A hope for the spring semester</a:t>
+            </a:r>
           </a:p>
           <a:p>
             <a:r>
@@ -10576,6 +10570,14 @@
               <a:rPr lang="en-US" dirty="0" smtClean="0"/>
               <a:t>I’ll respect your privacy. You don’t need to tell me why your life is complicated. Just tell me you need a break or whatever accommodation.  </a:t>
             </a:r>
+            <a:endParaRPr lang="en-US" dirty="0" smtClean="0"/>
+          </a:p>
+          <a:p>
+            <a:r>
+              <a:rPr lang="en-US" dirty="0" smtClean="0"/>
+              <a:t>Due dates are suggestions. We’ll be flexible as needed.</a:t>
+            </a:r>
+            <a:endParaRPr lang="en-US" dirty="0" smtClean="0"/>
           </a:p>
         </p:txBody>
       </p:sp>
@@ -10629,7 +10631,7 @@
           <a:p>
             <a:r>
               <a:rPr lang="en-US" dirty="0" smtClean="0"/>
-              <a:t>Online?</a:t>
+              <a:t>Online Logistics?</a:t>
             </a:r>
             <a:endParaRPr lang="en-US" dirty="0"/>
           </a:p>
@@ -10761,8 +10763,13 @@
                   <a:schemeClr val="bg2"/>
                 </a:solidFill>
               </a:rPr>
-              <a:t>hours</a:t>
-            </a:r>
+              <a:t>hours (3 pm every weekday)</a:t>
+            </a:r>
+            <a:endParaRPr lang="en-US" sz="2400" dirty="0" smtClean="0">
+              <a:solidFill>
+                <a:schemeClr val="bg2"/>
+              </a:solidFill>
+            </a:endParaRPr>
           </a:p>
           <a:p>
             <a:pPr lvl="1">
@@ -10787,14 +10794,74 @@
                   <a:schemeClr val="bg2"/>
                 </a:solidFill>
               </a:rPr>
-              <a:t>I’ll start with on demand! I’m available most afternoons. Knock on my door with a calendar invite or a WhatsApp message or a Zoom meeting</a:t>
+              <a:t>I’m also available </a:t>
+            </a:r>
+            <a:r>
+              <a:rPr lang="en-US" sz="2000" dirty="0" smtClean="0">
+                <a:solidFill>
+                  <a:schemeClr val="bg2"/>
+                </a:solidFill>
+              </a:rPr>
+              <a:t>most afternoons. Knock on my door with a calendar invite or a WhatsApp message or a Zoom </a:t>
+            </a:r>
+            <a:r>
+              <a:rPr lang="en-US" sz="2000" dirty="0" smtClean="0">
+                <a:solidFill>
+                  <a:schemeClr val="bg2"/>
+                </a:solidFill>
+              </a:rPr>
+              <a:t>meeting</a:t>
+            </a:r>
+          </a:p>
+          <a:p>
+            <a:pPr>
+              <a:buClrTx/>
+            </a:pPr>
+            <a:r>
+              <a:rPr lang="en-US" sz="2400" dirty="0" smtClean="0">
+                <a:solidFill>
+                  <a:schemeClr val="bg2"/>
+                </a:solidFill>
+              </a:rPr>
+              <a:t>Do you all have the ability to contact your team mate(s)?</a:t>
             </a:r>
           </a:p>
           <a:p>
             <a:pPr lvl="1">
               <a:buClrTx/>
             </a:pPr>
-            <a:endParaRPr lang="en-US" sz="2000" dirty="0">
+            <a:r>
+              <a:rPr lang="en-US" sz="2000" dirty="0" smtClean="0">
+                <a:solidFill>
+                  <a:schemeClr val="bg2"/>
+                </a:solidFill>
+              </a:rPr>
+              <a:t>One of the unintended life skills is learning how to collaborate remotely</a:t>
+            </a:r>
+          </a:p>
+          <a:p>
+            <a:pPr lvl="1">
+              <a:buClrTx/>
+            </a:pPr>
+            <a:r>
+              <a:rPr lang="en-US" sz="2000" dirty="0" smtClean="0">
+                <a:solidFill>
+                  <a:schemeClr val="bg2"/>
+                </a:solidFill>
+              </a:rPr>
+              <a:t>I see this collaboration as key for making the project more fun</a:t>
+            </a:r>
+            <a:endParaRPr lang="en-US" sz="2000" dirty="0" smtClean="0">
+              <a:solidFill>
+                <a:schemeClr val="bg2"/>
+              </a:solidFill>
+            </a:endParaRPr>
+          </a:p>
+          <a:p>
+            <a:pPr lvl="2">
+              <a:buClrTx/>
+            </a:pPr>
+            <a:endParaRPr lang="en-US" sz="1600" dirty="0">
               <a:solidFill>
                 <a:schemeClr val="bg2"/>
               </a:solidFill>
@@ -10871,6 +10938,10 @@
               <a:rPr lang="en-US" dirty="0" err="1" smtClean="0"/>
               <a:t>Onshape</a:t>
             </a:r>
+            <a:r>
+              <a:rPr lang="en-US" dirty="0" smtClean="0"/>
+              <a:t>?</a:t>
+            </a:r>
             <a:endParaRPr lang="en-US" dirty="0"/>
           </a:p>
         </p:txBody>
@@ -10922,7 +10993,23 @@
           <a:p>
             <a:r>
               <a:rPr lang="en-US" dirty="0" smtClean="0"/>
-              <a:t>I didn’t pick </a:t>
+              <a:t>A </a:t>
+            </a:r>
+            <a:r>
+              <a:rPr lang="en-US" dirty="0" smtClean="0"/>
+              <a:t>former </a:t>
+            </a:r>
+            <a:r>
+              <a:rPr lang="en-US" dirty="0" smtClean="0"/>
+              <a:t>student, Ethan Keller, </a:t>
+            </a:r>
+            <a:r>
+              <a:rPr lang="en-US" dirty="0" smtClean="0"/>
+              <a:t>recommended </a:t>
+            </a:r>
+            <a:r>
+              <a:rPr lang="en-US" dirty="0" smtClean="0"/>
+              <a:t>it and then he went on to get a job with </a:t>
             </a:r>
             <a:r>
               <a:rPr lang="en-US" dirty="0" err="1" smtClean="0"/>
@@ -10930,8 +11017,9 @@
             </a:r>
             <a:r>
               <a:rPr lang="en-US" dirty="0" smtClean="0"/>
-              <a:t>. A former student recommended it!</a:t>
-            </a:r>
+              <a:t>!</a:t>
+            </a:r>
+            <a:endParaRPr lang="en-US" dirty="0" smtClean="0"/>
           </a:p>
           <a:p>
             <a:endParaRPr lang="en-US" dirty="0"/>
@@ -11041,11 +11129,7 @@
           <a:p>
             <a:r>
               <a:rPr lang="en-US" dirty="0" smtClean="0"/>
-              <a:t>Could </a:t>
-            </a:r>
-            <a:r>
-              <a:rPr lang="en-US" dirty="0" smtClean="0"/>
-              <a:t>be done individually or in teams</a:t>
+              <a:t>Could be done individually or in teams</a:t>
             </a:r>
           </a:p>
           <a:p>
@@ -11061,16 +11145,19 @@
           <a:p>
             <a:r>
               <a:rPr lang="en-US" dirty="0" smtClean="0"/>
-              <a:t>Weekly </a:t>
+              <a:t>Weekly check-ins where we show something we are working </a:t>
             </a:r>
             <a:r>
               <a:rPr lang="en-US" dirty="0" smtClean="0"/>
-              <a:t>check-ins </a:t>
-            </a:r>
+              <a:t>on</a:t>
+            </a:r>
+          </a:p>
+          <a:p>
             <a:r>
               <a:rPr lang="en-US" dirty="0" smtClean="0"/>
-              <a:t>where we show something we are working on</a:t>
-            </a:r>
+              <a:t>Very flexible on how you craft your project</a:t>
+            </a:r>
+            <a:endParaRPr lang="en-US" dirty="0" smtClean="0"/>
           </a:p>
           <a:p>
             <a:endParaRPr lang="en-US" dirty="0"/>

--- a/website/pptx/Online_Intro.pptx
+++ b/website/pptx/Online_Intro.pptx
@@ -8,10 +8,10 @@
     <p:sldMasterId id="2147483684" r:id="rId4"/>
   </p:sldMasterIdLst>
   <p:notesMasterIdLst>
-    <p:notesMasterId r:id="rId13"/>
+    <p:notesMasterId r:id="rId15"/>
   </p:notesMasterIdLst>
   <p:handoutMasterIdLst>
-    <p:handoutMasterId r:id="rId14"/>
+    <p:handoutMasterId r:id="rId16"/>
   </p:handoutMasterIdLst>
   <p:sldIdLst>
     <p:sldId id="284" r:id="rId5"/>
@@ -22,6 +22,8 @@
     <p:sldId id="288" r:id="rId10"/>
     <p:sldId id="286" r:id="rId11"/>
     <p:sldId id="289" r:id="rId12"/>
+    <p:sldId id="291" r:id="rId13"/>
+    <p:sldId id="292" r:id="rId14"/>
   </p:sldIdLst>
   <p:sldSz cx="12192000" cy="6858000"/>
   <p:notesSz cx="7315200" cy="9601200"/>
@@ -10247,6 +10249,125 @@
 </p:sld>
 </file>
 
+<file path=ppt/slides/slide10.xml><?xml version="1.0" encoding="utf-8"?>
+<p:sld xmlns:a="http://schemas.openxmlformats.org/drawingml/2006/main" xmlns:r="http://schemas.openxmlformats.org/officeDocument/2006/relationships" xmlns:p="http://schemas.openxmlformats.org/presentationml/2006/main">
+  <p:cSld>
+    <p:spTree>
+      <p:nvGrpSpPr>
+        <p:cNvPr id="1" name=""/>
+        <p:cNvGrpSpPr/>
+        <p:nvPr/>
+      </p:nvGrpSpPr>
+      <p:grpSpPr>
+        <a:xfrm>
+          <a:off x="0" y="0"/>
+          <a:ext cx="0" cy="0"/>
+          <a:chOff x="0" y="0"/>
+          <a:chExt cx="0" cy="0"/>
+        </a:xfrm>
+      </p:grpSpPr>
+      <p:sp>
+        <p:nvSpPr>
+          <p:cNvPr id="2" name="Title 1"/>
+          <p:cNvSpPr>
+            <a:spLocks noGrp="1"/>
+          </p:cNvSpPr>
+          <p:nvPr>
+            <p:ph type="title"/>
+          </p:nvPr>
+        </p:nvSpPr>
+        <p:spPr/>
+        <p:txBody>
+          <a:bodyPr/>
+          <a:lstStyle/>
+          <a:p>
+            <a:r>
+              <a:rPr lang="en-US" dirty="0" smtClean="0"/>
+              <a:t>4-13-2020 Discussion</a:t>
+            </a:r>
+            <a:endParaRPr lang="en-US" dirty="0"/>
+          </a:p>
+        </p:txBody>
+      </p:sp>
+      <p:sp>
+        <p:nvSpPr>
+          <p:cNvPr id="3" name="Content Placeholder 2"/>
+          <p:cNvSpPr>
+            <a:spLocks noGrp="1"/>
+          </p:cNvSpPr>
+          <p:nvPr>
+            <p:ph idx="1"/>
+          </p:nvPr>
+        </p:nvSpPr>
+        <p:spPr/>
+        <p:txBody>
+          <a:bodyPr/>
+          <a:lstStyle/>
+          <a:p>
+            <a:r>
+              <a:rPr lang="en-US" dirty="0" smtClean="0"/>
+              <a:t>Move your sketches into the “first models” folder</a:t>
+            </a:r>
+          </a:p>
+          <a:p>
+            <a:r>
+              <a:rPr lang="en-US" dirty="0" smtClean="0"/>
+              <a:t>What skills de we need to create cool models for your projects</a:t>
+            </a:r>
+          </a:p>
+          <a:p>
+            <a:pPr lvl="1"/>
+            <a:r>
+              <a:rPr lang="en-US" dirty="0" smtClean="0"/>
+              <a:t>Variables make me excited!</a:t>
+            </a:r>
+          </a:p>
+          <a:p>
+            <a:pPr lvl="1"/>
+            <a:r>
+              <a:rPr lang="en-US" dirty="0" smtClean="0"/>
+              <a:t>Parts (</a:t>
+            </a:r>
+            <a:r>
+              <a:rPr lang="en-US" dirty="0" err="1" smtClean="0"/>
+              <a:t>McMaster-carr</a:t>
+            </a:r>
+            <a:r>
+              <a:rPr lang="en-US" dirty="0" smtClean="0"/>
+              <a:t> has cad drawings of most of their merchandise) – how do we use this effectively?</a:t>
+            </a:r>
+          </a:p>
+          <a:p>
+            <a:pPr lvl="1"/>
+            <a:r>
+              <a:rPr lang="en-US" dirty="0" smtClean="0"/>
+              <a:t>How do you draw flexible tubing?</a:t>
+            </a:r>
+          </a:p>
+          <a:p>
+            <a:r>
+              <a:rPr lang="en-US" dirty="0" smtClean="0"/>
+              <a:t>What ideas do you have for projects?</a:t>
+            </a:r>
+          </a:p>
+        </p:txBody>
+      </p:sp>
+    </p:spTree>
+    <p:extLst>
+      <p:ext uri="{BB962C8B-B14F-4D97-AF65-F5344CB8AC3E}">
+        <p14:creationId xmlns:p14="http://schemas.microsoft.com/office/powerpoint/2010/main" val="3366084856"/>
+      </p:ext>
+    </p:extLst>
+  </p:cSld>
+  <p:clrMapOvr>
+    <a:masterClrMapping/>
+  </p:clrMapOvr>
+  <p:transition>
+    <p:fade/>
+  </p:transition>
+</p:sld>
+</file>
+
 <file path=ppt/slides/slide2.xml><?xml version="1.0" encoding="utf-8"?>
 <p:sld xmlns:a="http://schemas.openxmlformats.org/drawingml/2006/main" xmlns:r="http://schemas.openxmlformats.org/officeDocument/2006/relationships" xmlns:p="http://schemas.openxmlformats.org/presentationml/2006/main">
   <p:cSld>
@@ -10313,15 +10434,7 @@
           <a:p>
             <a:r>
               <a:rPr lang="en-US" dirty="0" smtClean="0"/>
-              <a:t>We got some new </a:t>
-            </a:r>
-            <a:r>
-              <a:rPr lang="en-US" dirty="0" smtClean="0"/>
-              <a:t>data (that virus) </a:t>
-            </a:r>
-            <a:r>
-              <a:rPr lang="en-US" dirty="0" smtClean="0"/>
-              <a:t>that suggested that meeting together in the lab isn’t a good strategy now</a:t>
+              <a:t>We got some new data (that virus) that suggested that meeting together in the lab isn’t a good strategy now</a:t>
             </a:r>
           </a:p>
           <a:p>
@@ -10570,14 +10683,12 @@
               <a:rPr lang="en-US" dirty="0" smtClean="0"/>
               <a:t>I’ll respect your privacy. You don’t need to tell me why your life is complicated. Just tell me you need a break or whatever accommodation.  </a:t>
             </a:r>
-            <a:endParaRPr lang="en-US" dirty="0" smtClean="0"/>
           </a:p>
           <a:p>
             <a:r>
               <a:rPr lang="en-US" dirty="0" smtClean="0"/>
               <a:t>Due dates are suggestions. We’ll be flexible as needed.</a:t>
             </a:r>
-            <a:endParaRPr lang="en-US" dirty="0" smtClean="0"/>
           </a:p>
         </p:txBody>
       </p:sp>
@@ -10765,11 +10876,6 @@
               </a:rPr>
               <a:t>hours (3 pm every weekday)</a:t>
             </a:r>
-            <a:endParaRPr lang="en-US" sz="2400" dirty="0" smtClean="0">
-              <a:solidFill>
-                <a:schemeClr val="bg2"/>
-              </a:solidFill>
-            </a:endParaRPr>
           </a:p>
           <a:p>
             <a:pPr lvl="1">
@@ -10794,23 +10900,7 @@
                   <a:schemeClr val="bg2"/>
                 </a:solidFill>
               </a:rPr>
-              <a:t>I’m also available </a:t>
-            </a:r>
-            <a:r>
-              <a:rPr lang="en-US" sz="2000" dirty="0" smtClean="0">
-                <a:solidFill>
-                  <a:schemeClr val="bg2"/>
-                </a:solidFill>
-              </a:rPr>
-              <a:t>most afternoons. Knock on my door with a calendar invite or a WhatsApp message or a Zoom </a:t>
-            </a:r>
-            <a:r>
-              <a:rPr lang="en-US" sz="2000" dirty="0" smtClean="0">
-                <a:solidFill>
-                  <a:schemeClr val="bg2"/>
-                </a:solidFill>
-              </a:rPr>
-              <a:t>meeting</a:t>
+              <a:t>I’m also available most afternoons. Knock on my door with a calendar invite or a WhatsApp message or a Zoom meeting</a:t>
             </a:r>
           </a:p>
           <a:p>
@@ -10851,11 +10941,6 @@
               </a:rPr>
               <a:t>I see this collaboration as key for making the project more fun</a:t>
             </a:r>
-            <a:endParaRPr lang="en-US" sz="2000" dirty="0" smtClean="0">
-              <a:solidFill>
-                <a:schemeClr val="bg2"/>
-              </a:solidFill>
-            </a:endParaRPr>
           </a:p>
           <a:p>
             <a:pPr lvl="2">
@@ -10993,23 +11078,7 @@
           <a:p>
             <a:r>
               <a:rPr lang="en-US" dirty="0" smtClean="0"/>
-              <a:t>A </a:t>
-            </a:r>
-            <a:r>
-              <a:rPr lang="en-US" dirty="0" smtClean="0"/>
-              <a:t>former </a:t>
-            </a:r>
-            <a:r>
-              <a:rPr lang="en-US" dirty="0" smtClean="0"/>
-              <a:t>student, Ethan Keller, </a:t>
-            </a:r>
-            <a:r>
-              <a:rPr lang="en-US" dirty="0" smtClean="0"/>
-              <a:t>recommended </a:t>
-            </a:r>
-            <a:r>
-              <a:rPr lang="en-US" dirty="0" smtClean="0"/>
-              <a:t>it and then he went on to get a job with </a:t>
+              <a:t>A former student, Ethan Keller, recommended it and then he went on to get a job with </a:t>
             </a:r>
             <a:r>
               <a:rPr lang="en-US" dirty="0" err="1" smtClean="0"/>
@@ -11019,7 +11088,6 @@
               <a:rPr lang="en-US" dirty="0" smtClean="0"/>
               <a:t>!</a:t>
             </a:r>
-            <a:endParaRPr lang="en-US" dirty="0" smtClean="0"/>
           </a:p>
           <a:p>
             <a:endParaRPr lang="en-US" dirty="0"/>
@@ -11145,11 +11213,7 @@
           <a:p>
             <a:r>
               <a:rPr lang="en-US" dirty="0" smtClean="0"/>
-              <a:t>Weekly check-ins where we show something we are working </a:t>
-            </a:r>
-            <a:r>
-              <a:rPr lang="en-US" dirty="0" smtClean="0"/>
-              <a:t>on</a:t>
+              <a:t>Weekly check-ins where we show something we are working on</a:t>
             </a:r>
           </a:p>
           <a:p>
@@ -11157,7 +11221,6 @@
               <a:rPr lang="en-US" dirty="0" smtClean="0"/>
               <a:t>Very flexible on how you craft your project</a:t>
             </a:r>
-            <a:endParaRPr lang="en-US" dirty="0" smtClean="0"/>
           </a:p>
           <a:p>
             <a:endParaRPr lang="en-US" dirty="0"/>
@@ -11243,6 +11306,127 @@
     <p:extLst>
       <p:ext uri="{BB962C8B-B14F-4D97-AF65-F5344CB8AC3E}">
         <p14:creationId xmlns:p14="http://schemas.microsoft.com/office/powerpoint/2010/main" val="4170602630"/>
+      </p:ext>
+    </p:extLst>
+  </p:cSld>
+  <p:clrMapOvr>
+    <a:masterClrMapping/>
+  </p:clrMapOvr>
+  <p:transition>
+    <p:fade/>
+  </p:transition>
+</p:sld>
+</file>
+
+<file path=ppt/slides/slide9.xml><?xml version="1.0" encoding="utf-8"?>
+<p:sld xmlns:a="http://schemas.openxmlformats.org/drawingml/2006/main" xmlns:r="http://schemas.openxmlformats.org/officeDocument/2006/relationships" xmlns:p="http://schemas.openxmlformats.org/presentationml/2006/main">
+  <p:cSld>
+    <p:spTree>
+      <p:nvGrpSpPr>
+        <p:cNvPr id="1" name=""/>
+        <p:cNvGrpSpPr/>
+        <p:nvPr/>
+      </p:nvGrpSpPr>
+      <p:grpSpPr>
+        <a:xfrm>
+          <a:off x="0" y="0"/>
+          <a:ext cx="0" cy="0"/>
+          <a:chOff x="0" y="0"/>
+          <a:chExt cx="0" cy="0"/>
+        </a:xfrm>
+      </p:grpSpPr>
+      <p:sp>
+        <p:nvSpPr>
+          <p:cNvPr id="2" name="Title 1"/>
+          <p:cNvSpPr>
+            <a:spLocks noGrp="1"/>
+          </p:cNvSpPr>
+          <p:nvPr>
+            <p:ph type="title"/>
+          </p:nvPr>
+        </p:nvSpPr>
+        <p:spPr/>
+        <p:txBody>
+          <a:bodyPr/>
+          <a:lstStyle/>
+          <a:p>
+            <a:r>
+              <a:rPr lang="en-US" dirty="0" smtClean="0"/>
+              <a:t>Reflections</a:t>
+            </a:r>
+            <a:endParaRPr lang="en-US" dirty="0"/>
+          </a:p>
+        </p:txBody>
+      </p:sp>
+      <p:sp>
+        <p:nvSpPr>
+          <p:cNvPr id="3" name="Content Placeholder 2"/>
+          <p:cNvSpPr>
+            <a:spLocks noGrp="1"/>
+          </p:cNvSpPr>
+          <p:nvPr>
+            <p:ph idx="1"/>
+          </p:nvPr>
+        </p:nvSpPr>
+        <p:spPr/>
+        <p:txBody>
+          <a:bodyPr/>
+          <a:lstStyle/>
+          <a:p>
+            <a:r>
+              <a:rPr lang="en-US" dirty="0" smtClean="0"/>
+              <a:t>How is the adsorption lab going?</a:t>
+            </a:r>
+          </a:p>
+          <a:p>
+            <a:r>
+              <a:rPr lang="en-US" dirty="0" smtClean="0"/>
+              <a:t>What concerns or questions do you have about the adsorption lab?</a:t>
+            </a:r>
+          </a:p>
+          <a:p>
+            <a:r>
+              <a:rPr lang="en-US" dirty="0" smtClean="0"/>
+              <a:t>Did you get an invite to join </a:t>
+            </a:r>
+            <a:r>
+              <a:rPr lang="en-US" dirty="0" err="1" smtClean="0"/>
+              <a:t>Onshape</a:t>
+            </a:r>
+            <a:r>
+              <a:rPr lang="en-US" dirty="0" smtClean="0"/>
+              <a:t>?</a:t>
+            </a:r>
+          </a:p>
+          <a:p>
+            <a:r>
+              <a:rPr lang="en-US" dirty="0" smtClean="0"/>
+              <a:t>Who has done an </a:t>
+            </a:r>
+            <a:r>
+              <a:rPr lang="en-US" dirty="0" err="1" smtClean="0"/>
+              <a:t>Onshape</a:t>
+            </a:r>
+            <a:r>
+              <a:rPr lang="en-US" dirty="0" smtClean="0"/>
+              <a:t> tutorial</a:t>
+            </a:r>
+          </a:p>
+          <a:p>
+            <a:r>
+              <a:rPr lang="en-US" dirty="0" smtClean="0"/>
+              <a:t>Friday (or next Friday) present something you’ve drawn!</a:t>
+            </a:r>
+          </a:p>
+          <a:p>
+            <a:endParaRPr lang="en-US" dirty="0"/>
+          </a:p>
+        </p:txBody>
+      </p:sp>
+    </p:spTree>
+    <p:extLst>
+      <p:ext uri="{BB962C8B-B14F-4D97-AF65-F5344CB8AC3E}">
+        <p14:creationId xmlns:p14="http://schemas.microsoft.com/office/powerpoint/2010/main" val="4195187544"/>
       </p:ext>
     </p:extLst>
   </p:cSld>
